--- a/PPTs/ProgramacionII_Clase_25-2018.pptx
+++ b/PPTs/ProgramacionII_Clase_25-2018.pptx
@@ -8,7 +8,8 @@
     <p:sldId id="256" r:id="rId2"/>
     <p:sldId id="257" r:id="rId3"/>
     <p:sldId id="258" r:id="rId4"/>
-    <p:sldId id="259" r:id="rId5"/>
+    <p:sldId id="260" r:id="rId5"/>
+    <p:sldId id="259" r:id="rId6"/>
   </p:sldIdLst>
   <p:sldSz cx="12192000" cy="6858000"/>
   <p:notesSz cx="6858000" cy="9144000"/>
@@ -107,6 +108,11 @@
       </a:defRPr>
     </a:lvl9pPr>
   </p:defaultTextStyle>
+  <p:extLst>
+    <p:ext uri="{EFAFB233-063F-42B5-8137-9DF3F51BA10A}">
+      <p15:sldGuideLst xmlns:p15="http://schemas.microsoft.com/office/powerpoint/2012/main"/>
+    </p:ext>
+  </p:extLst>
 </p:presentation>
 </file>
 
@@ -384,7 +390,7 @@
           <a:p>
             <a:fld id="{78ABE3C1-DBE1-495D-B57B-2849774B866A}" type="datetimeFigureOut">
               <a:rPr lang="en-US" dirty="0"/>
-              <a:t>10/24/2018</a:t>
+              <a:t>6/4/2019</a:t>
             </a:fld>
             <a:endParaRPr lang="en-US" dirty="0"/>
           </a:p>
@@ -793,7 +799,7 @@
           <a:p>
             <a:fld id="{446C117F-5CCF-4837-BE5F-2B92066CAFAF}" type="datetimeFigureOut">
               <a:rPr lang="en-US" dirty="0"/>
-              <a:t>10/24/2018</a:t>
+              <a:t>6/4/2019</a:t>
             </a:fld>
             <a:endParaRPr lang="en-US" dirty="0"/>
           </a:p>
@@ -1124,7 +1130,7 @@
           <a:p>
             <a:fld id="{84EB90BD-B6CE-46B7-997F-7313B992CCDC}" type="datetimeFigureOut">
               <a:rPr lang="en-US" dirty="0"/>
-              <a:t>10/24/2018</a:t>
+              <a:t>6/4/2019</a:t>
             </a:fld>
             <a:endParaRPr lang="en-US" dirty="0"/>
           </a:p>
@@ -1524,7 +1530,7 @@
           <a:p>
             <a:fld id="{CDB9D11F-B188-461D-B23F-39381795C052}" type="datetimeFigureOut">
               <a:rPr lang="en-US" dirty="0"/>
-              <a:t>10/24/2018</a:t>
+              <a:t>6/4/2019</a:t>
             </a:fld>
             <a:endParaRPr lang="en-US" dirty="0"/>
           </a:p>
@@ -2087,7 +2093,7 @@
           <a:p>
             <a:fld id="{52E6D8D9-55A2-4063-B0F3-121F44549695}" type="datetimeFigureOut">
               <a:rPr lang="en-US" dirty="0"/>
-              <a:t>10/24/2018</a:t>
+              <a:t>6/4/2019</a:t>
             </a:fld>
             <a:endParaRPr lang="en-US" dirty="0"/>
           </a:p>
@@ -2763,7 +2769,7 @@
           <a:p>
             <a:fld id="{D4B24536-994D-4021-A283-9F449C0DB509}" type="datetimeFigureOut">
               <a:rPr lang="en-US" dirty="0"/>
-              <a:t>10/24/2018</a:t>
+              <a:t>6/4/2019</a:t>
             </a:fld>
             <a:endParaRPr lang="en-US" dirty="0"/>
           </a:p>
@@ -3671,7 +3677,7 @@
           <a:p>
             <a:fld id="{3CBBBB78-C96F-47B7-AB17-D852CA960AC9}" type="datetimeFigureOut">
               <a:rPr lang="en-US" dirty="0"/>
-              <a:t>10/24/2018</a:t>
+              <a:t>6/4/2019</a:t>
             </a:fld>
             <a:endParaRPr lang="en-US" dirty="0"/>
           </a:p>
@@ -3979,7 +3985,7 @@
           <a:p>
             <a:fld id="{1FA3F48C-C7C6-4055-9F49-3777875E72AE}" type="datetimeFigureOut">
               <a:rPr lang="en-US" dirty="0"/>
-              <a:t>10/24/2018</a:t>
+              <a:t>6/4/2019</a:t>
             </a:fld>
             <a:endParaRPr lang="en-US" dirty="0"/>
           </a:p>
@@ -4238,7 +4244,7 @@
           <a:p>
             <a:fld id="{6178E61D-D431-422C-9764-11DAFE33AB63}" type="datetimeFigureOut">
               <a:rPr lang="en-US" dirty="0"/>
-              <a:t>10/24/2018</a:t>
+              <a:t>6/4/2019</a:t>
             </a:fld>
             <a:endParaRPr lang="en-US" dirty="0"/>
           </a:p>
@@ -4557,7 +4563,7 @@
           <a:p>
             <a:fld id="{12DE42F4-6EEF-4EF7-8ED4-2208F0F89A08}" type="datetimeFigureOut">
               <a:rPr lang="en-US" dirty="0"/>
-              <a:t>10/24/2018</a:t>
+              <a:t>6/4/2019</a:t>
             </a:fld>
             <a:endParaRPr lang="en-US" dirty="0"/>
           </a:p>
@@ -4941,7 +4947,7 @@
           <a:p>
             <a:fld id="{30578ACC-22D6-47C1-A373-4FD133E34F3C}" type="datetimeFigureOut">
               <a:rPr lang="en-US" dirty="0"/>
-              <a:t>10/24/2018</a:t>
+              <a:t>6/4/2019</a:t>
             </a:fld>
             <a:endParaRPr lang="en-US" dirty="0"/>
           </a:p>
@@ -5312,7 +5318,7 @@
           <a:p>
             <a:fld id="{4E5A6C69-6797-4E8A-BF37-F2C3751466E9}" type="datetimeFigureOut">
               <a:rPr lang="en-US" dirty="0"/>
-              <a:t>10/24/2018</a:t>
+              <a:t>6/4/2019</a:t>
             </a:fld>
             <a:endParaRPr lang="en-US" dirty="0"/>
           </a:p>
@@ -5813,7 +5819,7 @@
           <a:p>
             <a:fld id="{D82014A1-A632-4878-A0D3-F52BA7563730}" type="datetimeFigureOut">
               <a:rPr lang="en-US" dirty="0"/>
-              <a:t>10/24/2018</a:t>
+              <a:t>6/4/2019</a:t>
             </a:fld>
             <a:endParaRPr lang="en-US" dirty="0"/>
           </a:p>
@@ -6065,7 +6071,7 @@
           <a:p>
             <a:fld id="{CE99F462-093F-4566-844B-4C71F2739DA5}" type="datetimeFigureOut">
               <a:rPr lang="en-US" dirty="0"/>
-              <a:t>10/24/2018</a:t>
+              <a:t>6/4/2019</a:t>
             </a:fld>
             <a:endParaRPr lang="en-US" dirty="0"/>
           </a:p>
@@ -6223,7 +6229,7 @@
           <a:p>
             <a:fld id="{3D24A7AC-904D-4781-85BA-7D10C17ED021}" type="datetimeFigureOut">
               <a:rPr lang="en-US" dirty="0"/>
-              <a:t>10/24/2018</a:t>
+              <a:t>6/4/2019</a:t>
             </a:fld>
             <a:endParaRPr lang="en-US" dirty="0"/>
           </a:p>
@@ -6608,7 +6614,7 @@
           <a:p>
             <a:fld id="{E331444B-B92B-4E27-8C94-BB93EAF5CB18}" type="datetimeFigureOut">
               <a:rPr lang="en-US" dirty="0"/>
-              <a:t>10/24/2018</a:t>
+              <a:t>6/4/2019</a:t>
             </a:fld>
             <a:endParaRPr lang="en-US" dirty="0"/>
           </a:p>
@@ -7012,7 +7018,7 @@
           <a:p>
             <a:fld id="{363EFA5E-FA76-400D-B3DC-F0BA90E6D107}" type="datetimeFigureOut">
               <a:rPr lang="en-US" dirty="0"/>
-              <a:t>10/24/2018</a:t>
+              <a:t>6/4/2019</a:t>
             </a:fld>
             <a:endParaRPr lang="en-US" dirty="0"/>
           </a:p>
@@ -7251,7 +7257,7 @@
           <a:p>
             <a:fld id="{9D6E9DEC-419B-4CC5-A080-3B06BD5A8291}" type="datetimeFigureOut">
               <a:rPr lang="en-US" dirty="0"/>
-              <a:t>10/24/2018</a:t>
+              <a:t>6/4/2019</a:t>
             </a:fld>
             <a:endParaRPr lang="en-US" dirty="0"/>
           </a:p>
@@ -7817,7 +7823,11 @@
             </a:pPr>
             <a:r>
               <a:rPr lang="es-AR" dirty="0"/>
-              <a:t>Edición 2018</a:t>
+              <a:t>Edición </a:t>
+            </a:r>
+            <a:r>
+              <a:rPr lang="es-AR" dirty="0" smtClean="0"/>
+              <a:t>2.019</a:t>
             </a:r>
             <a:endParaRPr lang="es-AR" dirty="0">
               <a:solidFill>
@@ -7843,6 +7853,13 @@
   <p:clrMapOvr>
     <a:masterClrMapping/>
   </p:clrMapOvr>
+  <p:timing>
+    <p:tnLst>
+      <p:par>
+        <p:cTn id="1" dur="indefinite" restart="never" nodeType="tmRoot"/>
+      </p:par>
+    </p:tnLst>
+  </p:timing>
 </p:sld>
 </file>
 
@@ -8001,6 +8018,13 @@
   <p:clrMapOvr>
     <a:masterClrMapping/>
   </p:clrMapOvr>
+  <p:timing>
+    <p:tnLst>
+      <p:par>
+        <p:cTn id="1" dur="indefinite" restart="never" nodeType="tmRoot"/>
+      </p:par>
+    </p:tnLst>
+  </p:timing>
 </p:sld>
 </file>
 
@@ -8553,6 +8577,13 @@
   <p:clrMapOvr>
     <a:masterClrMapping/>
   </p:clrMapOvr>
+  <p:timing>
+    <p:tnLst>
+      <p:par>
+        <p:cTn id="1" dur="indefinite" restart="never" nodeType="tmRoot"/>
+      </p:par>
+    </p:tnLst>
+  </p:timing>
 </p:sld>
 </file>
 
@@ -8590,6 +8621,598 @@
           <a:p>
             <a:r>
               <a:rPr lang="es-AR" dirty="0" smtClean="0"/>
+              <a:t>Ejemplo </a:t>
+            </a:r>
+            <a:r>
+              <a:rPr lang="es-AR" dirty="0" smtClean="0"/>
+              <a:t>Práctico</a:t>
+            </a:r>
+            <a:endParaRPr lang="es-AR" dirty="0"/>
+          </a:p>
+        </p:txBody>
+      </p:sp>
+      <p:sp>
+        <p:nvSpPr>
+          <p:cNvPr id="4" name="CuadroTexto 3"/>
+          <p:cNvSpPr txBox="1"/>
+          <p:nvPr/>
+        </p:nvSpPr>
+        <p:spPr>
+          <a:xfrm>
+            <a:off x="1028050" y="2675053"/>
+            <a:ext cx="8393113" cy="2862322"/>
+          </a:xfrm>
+          <a:prstGeom prst="rect">
+            <a:avLst/>
+          </a:prstGeom>
+          <a:solidFill>
+            <a:schemeClr val="tx1"/>
+          </a:solidFill>
+        </p:spPr>
+        <p:txBody>
+          <a:bodyPr>
+            <a:spAutoFit/>
+          </a:bodyPr>
+          <a:lstStyle/>
+          <a:p>
+            <a:pPr>
+              <a:defRPr/>
+            </a:pPr>
+            <a:r>
+              <a:rPr lang="es-AR" dirty="0" err="1">
+                <a:solidFill>
+                  <a:srgbClr val="0000FF"/>
+                </a:solidFill>
+                <a:highlight>
+                  <a:srgbClr val="FFFFFF"/>
+                </a:highlight>
+                <a:latin typeface="Consolas" panose="020B0609020204030204" pitchFamily="49" charset="0"/>
+              </a:rPr>
+              <a:t>namespace</a:t>
+            </a:r>
+            <a:r>
+              <a:rPr lang="es-AR" dirty="0">
+                <a:solidFill>
+                  <a:srgbClr val="000000"/>
+                </a:solidFill>
+                <a:highlight>
+                  <a:srgbClr val="FFFFFF"/>
+                </a:highlight>
+                <a:latin typeface="Consolas" panose="020B0609020204030204" pitchFamily="49" charset="0"/>
+              </a:rPr>
+              <a:t> </a:t>
+            </a:r>
+            <a:r>
+              <a:rPr lang="es-AR" dirty="0" err="1" smtClean="0">
+                <a:solidFill>
+                  <a:srgbClr val="000000"/>
+                </a:solidFill>
+                <a:highlight>
+                  <a:srgbClr val="FFFFFF"/>
+                </a:highlight>
+                <a:latin typeface="Consolas" panose="020B0609020204030204" pitchFamily="49" charset="0"/>
+              </a:rPr>
+              <a:t>MetodoDeExtensionString</a:t>
+            </a:r>
+            <a:endParaRPr lang="es-AR" dirty="0">
+              <a:solidFill>
+                <a:srgbClr val="000000"/>
+              </a:solidFill>
+              <a:highlight>
+                <a:srgbClr val="FFFFFF"/>
+              </a:highlight>
+              <a:latin typeface="Consolas" panose="020B0609020204030204" pitchFamily="49" charset="0"/>
+            </a:endParaRPr>
+          </a:p>
+          <a:p>
+            <a:pPr>
+              <a:defRPr/>
+            </a:pPr>
+            <a:r>
+              <a:rPr lang="es-AR" dirty="0">
+                <a:solidFill>
+                  <a:srgbClr val="000000"/>
+                </a:solidFill>
+                <a:highlight>
+                  <a:srgbClr val="FFFFFF"/>
+                </a:highlight>
+                <a:latin typeface="Consolas" panose="020B0609020204030204" pitchFamily="49" charset="0"/>
+              </a:rPr>
+              <a:t>{</a:t>
+            </a:r>
+          </a:p>
+          <a:p>
+            <a:pPr>
+              <a:defRPr/>
+            </a:pPr>
+            <a:r>
+              <a:rPr lang="es-AR" dirty="0">
+                <a:solidFill>
+                  <a:srgbClr val="000000"/>
+                </a:solidFill>
+                <a:highlight>
+                  <a:srgbClr val="FFFFFF"/>
+                </a:highlight>
+                <a:latin typeface="Consolas" panose="020B0609020204030204" pitchFamily="49" charset="0"/>
+              </a:rPr>
+              <a:t>    </a:t>
+            </a:r>
+            <a:r>
+              <a:rPr lang="es-AR" dirty="0" err="1">
+                <a:solidFill>
+                  <a:srgbClr val="0000FF"/>
+                </a:solidFill>
+                <a:highlight>
+                  <a:srgbClr val="FFFFFF"/>
+                </a:highlight>
+                <a:latin typeface="Consolas" panose="020B0609020204030204" pitchFamily="49" charset="0"/>
+              </a:rPr>
+              <a:t>public</a:t>
+            </a:r>
+            <a:r>
+              <a:rPr lang="es-AR" dirty="0">
+                <a:solidFill>
+                  <a:srgbClr val="000000"/>
+                </a:solidFill>
+                <a:highlight>
+                  <a:srgbClr val="FFFFFF"/>
+                </a:highlight>
+                <a:latin typeface="Consolas" panose="020B0609020204030204" pitchFamily="49" charset="0"/>
+              </a:rPr>
+              <a:t> </a:t>
+            </a:r>
+            <a:r>
+              <a:rPr lang="es-AR" dirty="0" err="1">
+                <a:solidFill>
+                  <a:srgbClr val="0000FF"/>
+                </a:solidFill>
+                <a:highlight>
+                  <a:srgbClr val="FFFFFF"/>
+                </a:highlight>
+                <a:latin typeface="Consolas" panose="020B0609020204030204" pitchFamily="49" charset="0"/>
+              </a:rPr>
+              <a:t>static</a:t>
+            </a:r>
+            <a:r>
+              <a:rPr lang="es-AR" dirty="0">
+                <a:solidFill>
+                  <a:srgbClr val="000000"/>
+                </a:solidFill>
+                <a:highlight>
+                  <a:srgbClr val="FFFFFF"/>
+                </a:highlight>
+                <a:latin typeface="Consolas" panose="020B0609020204030204" pitchFamily="49" charset="0"/>
+              </a:rPr>
+              <a:t> </a:t>
+            </a:r>
+            <a:r>
+              <a:rPr lang="es-AR" dirty="0" err="1">
+                <a:solidFill>
+                  <a:srgbClr val="0000FF"/>
+                </a:solidFill>
+                <a:highlight>
+                  <a:srgbClr val="FFFFFF"/>
+                </a:highlight>
+                <a:latin typeface="Consolas" panose="020B0609020204030204" pitchFamily="49" charset="0"/>
+              </a:rPr>
+              <a:t>class</a:t>
+            </a:r>
+            <a:r>
+              <a:rPr lang="es-AR" dirty="0">
+                <a:solidFill>
+                  <a:srgbClr val="000000"/>
+                </a:solidFill>
+                <a:highlight>
+                  <a:srgbClr val="FFFFFF"/>
+                </a:highlight>
+                <a:latin typeface="Consolas" panose="020B0609020204030204" pitchFamily="49" charset="0"/>
+              </a:rPr>
+              <a:t> </a:t>
+            </a:r>
+            <a:r>
+              <a:rPr lang="es-AR" smtClean="0">
+                <a:solidFill>
+                  <a:srgbClr val="2B91AF"/>
+                </a:solidFill>
+                <a:highlight>
+                  <a:srgbClr val="FFFFFF"/>
+                </a:highlight>
+                <a:latin typeface="Consolas" panose="020B0609020204030204" pitchFamily="49" charset="0"/>
+              </a:rPr>
+              <a:t>StringExtension</a:t>
+            </a:r>
+            <a:endParaRPr lang="es-AR" dirty="0">
+              <a:solidFill>
+                <a:srgbClr val="000000"/>
+              </a:solidFill>
+              <a:highlight>
+                <a:srgbClr val="FFFFFF"/>
+              </a:highlight>
+              <a:latin typeface="Consolas" panose="020B0609020204030204" pitchFamily="49" charset="0"/>
+            </a:endParaRPr>
+          </a:p>
+          <a:p>
+            <a:pPr>
+              <a:defRPr/>
+            </a:pPr>
+            <a:r>
+              <a:rPr lang="es-AR" dirty="0">
+                <a:solidFill>
+                  <a:srgbClr val="000000"/>
+                </a:solidFill>
+                <a:highlight>
+                  <a:srgbClr val="FFFFFF"/>
+                </a:highlight>
+                <a:latin typeface="Consolas" panose="020B0609020204030204" pitchFamily="49" charset="0"/>
+              </a:rPr>
+              <a:t>    {</a:t>
+            </a:r>
+          </a:p>
+          <a:p>
+            <a:pPr>
+              <a:defRPr/>
+            </a:pPr>
+            <a:r>
+              <a:rPr lang="es-AR" dirty="0">
+                <a:solidFill>
+                  <a:srgbClr val="000000"/>
+                </a:solidFill>
+                <a:highlight>
+                  <a:srgbClr val="FFFFFF"/>
+                </a:highlight>
+                <a:latin typeface="Consolas" panose="020B0609020204030204" pitchFamily="49" charset="0"/>
+              </a:rPr>
+              <a:t>        </a:t>
+            </a:r>
+            <a:r>
+              <a:rPr lang="es-AR" dirty="0" err="1">
+                <a:solidFill>
+                  <a:srgbClr val="0000FF"/>
+                </a:solidFill>
+                <a:highlight>
+                  <a:srgbClr val="FFFFFF"/>
+                </a:highlight>
+                <a:latin typeface="Consolas" panose="020B0609020204030204" pitchFamily="49" charset="0"/>
+              </a:rPr>
+              <a:t>public</a:t>
+            </a:r>
+            <a:r>
+              <a:rPr lang="es-AR" dirty="0">
+                <a:solidFill>
+                  <a:srgbClr val="000000"/>
+                </a:solidFill>
+                <a:highlight>
+                  <a:srgbClr val="FFFFFF"/>
+                </a:highlight>
+                <a:latin typeface="Consolas" panose="020B0609020204030204" pitchFamily="49" charset="0"/>
+              </a:rPr>
+              <a:t> </a:t>
+            </a:r>
+            <a:r>
+              <a:rPr lang="es-AR" dirty="0" err="1">
+                <a:solidFill>
+                  <a:srgbClr val="0000FF"/>
+                </a:solidFill>
+                <a:highlight>
+                  <a:srgbClr val="FFFFFF"/>
+                </a:highlight>
+                <a:latin typeface="Consolas" panose="020B0609020204030204" pitchFamily="49" charset="0"/>
+              </a:rPr>
+              <a:t>static</a:t>
+            </a:r>
+            <a:r>
+              <a:rPr lang="es-AR" dirty="0">
+                <a:solidFill>
+                  <a:srgbClr val="000000"/>
+                </a:solidFill>
+                <a:highlight>
+                  <a:srgbClr val="FFFFFF"/>
+                </a:highlight>
+                <a:latin typeface="Consolas" panose="020B0609020204030204" pitchFamily="49" charset="0"/>
+              </a:rPr>
+              <a:t> </a:t>
+            </a:r>
+            <a:r>
+              <a:rPr lang="es-AR" dirty="0" err="1">
+                <a:solidFill>
+                  <a:srgbClr val="0000FF"/>
+                </a:solidFill>
+                <a:highlight>
+                  <a:srgbClr val="FFFFFF"/>
+                </a:highlight>
+                <a:latin typeface="Consolas" panose="020B0609020204030204" pitchFamily="49" charset="0"/>
+              </a:rPr>
+              <a:t>int</a:t>
+            </a:r>
+            <a:r>
+              <a:rPr lang="es-AR" dirty="0">
+                <a:solidFill>
+                  <a:srgbClr val="000000"/>
+                </a:solidFill>
+                <a:highlight>
+                  <a:srgbClr val="FFFFFF"/>
+                </a:highlight>
+                <a:latin typeface="Consolas" panose="020B0609020204030204" pitchFamily="49" charset="0"/>
+              </a:rPr>
+              <a:t> </a:t>
+            </a:r>
+            <a:r>
+              <a:rPr lang="es-AR" dirty="0" smtClean="0">
+                <a:solidFill>
+                  <a:srgbClr val="000000"/>
+                </a:solidFill>
+                <a:highlight>
+                  <a:srgbClr val="FFFFFF"/>
+                </a:highlight>
+                <a:latin typeface="Consolas" panose="020B0609020204030204" pitchFamily="49" charset="0"/>
+              </a:rPr>
+              <a:t>ContadorLetras(</a:t>
+            </a:r>
+            <a:r>
+              <a:rPr lang="es-AR" dirty="0" err="1" smtClean="0">
+                <a:solidFill>
+                  <a:srgbClr val="0000FF"/>
+                </a:solidFill>
+                <a:highlight>
+                  <a:srgbClr val="FFFFFF"/>
+                </a:highlight>
+                <a:latin typeface="Consolas" panose="020B0609020204030204" pitchFamily="49" charset="0"/>
+              </a:rPr>
+              <a:t>this</a:t>
+            </a:r>
+            <a:r>
+              <a:rPr lang="es-AR" dirty="0" smtClean="0">
+                <a:solidFill>
+                  <a:srgbClr val="000000"/>
+                </a:solidFill>
+                <a:highlight>
+                  <a:srgbClr val="FFFFFF"/>
+                </a:highlight>
+                <a:latin typeface="Consolas" panose="020B0609020204030204" pitchFamily="49" charset="0"/>
+              </a:rPr>
+              <a:t> </a:t>
+            </a:r>
+            <a:r>
+              <a:rPr lang="es-AR" dirty="0" err="1">
+                <a:solidFill>
+                  <a:srgbClr val="0000FF"/>
+                </a:solidFill>
+                <a:latin typeface="Consolas" panose="020B0609020204030204" pitchFamily="49" charset="0"/>
+              </a:rPr>
+              <a:t>string</a:t>
+            </a:r>
+            <a:r>
+              <a:rPr lang="es-AR" dirty="0" smtClean="0">
+                <a:solidFill>
+                  <a:srgbClr val="000000"/>
+                </a:solidFill>
+                <a:highlight>
+                  <a:srgbClr val="FFFFFF"/>
+                </a:highlight>
+                <a:latin typeface="Consolas" panose="020B0609020204030204" pitchFamily="49" charset="0"/>
+              </a:rPr>
+              <a:t> dato)</a:t>
+            </a:r>
+            <a:endParaRPr lang="es-AR" dirty="0">
+              <a:solidFill>
+                <a:srgbClr val="000000"/>
+              </a:solidFill>
+              <a:highlight>
+                <a:srgbClr val="FFFFFF"/>
+              </a:highlight>
+              <a:latin typeface="Consolas" panose="020B0609020204030204" pitchFamily="49" charset="0"/>
+            </a:endParaRPr>
+          </a:p>
+          <a:p>
+            <a:pPr>
+              <a:defRPr/>
+            </a:pPr>
+            <a:r>
+              <a:rPr lang="es-AR" dirty="0">
+                <a:solidFill>
+                  <a:srgbClr val="000000"/>
+                </a:solidFill>
+                <a:highlight>
+                  <a:srgbClr val="FFFFFF"/>
+                </a:highlight>
+                <a:latin typeface="Consolas" panose="020B0609020204030204" pitchFamily="49" charset="0"/>
+              </a:rPr>
+              <a:t>        {</a:t>
+            </a:r>
+          </a:p>
+          <a:p>
+            <a:pPr>
+              <a:defRPr/>
+            </a:pPr>
+            <a:r>
+              <a:rPr lang="es-AR" dirty="0" smtClean="0">
+                <a:solidFill>
+                  <a:srgbClr val="000000"/>
+                </a:solidFill>
+                <a:highlight>
+                  <a:srgbClr val="FFFFFF"/>
+                </a:highlight>
+                <a:latin typeface="Consolas" panose="020B0609020204030204" pitchFamily="49" charset="0"/>
+              </a:rPr>
+              <a:t>            </a:t>
+            </a:r>
+            <a:r>
+              <a:rPr lang="es-AR" dirty="0" err="1" smtClean="0">
+                <a:solidFill>
+                  <a:srgbClr val="0000FF"/>
+                </a:solidFill>
+                <a:highlight>
+                  <a:srgbClr val="FFFFFF"/>
+                </a:highlight>
+                <a:latin typeface="Consolas" panose="020B0609020204030204" pitchFamily="49" charset="0"/>
+              </a:rPr>
+              <a:t>return</a:t>
+            </a:r>
+            <a:r>
+              <a:rPr lang="es-AR" dirty="0" smtClean="0">
+                <a:solidFill>
+                  <a:srgbClr val="000000"/>
+                </a:solidFill>
+                <a:highlight>
+                  <a:srgbClr val="FFFFFF"/>
+                </a:highlight>
+                <a:latin typeface="Consolas" panose="020B0609020204030204" pitchFamily="49" charset="0"/>
+              </a:rPr>
+              <a:t> </a:t>
+            </a:r>
+            <a:r>
+              <a:rPr lang="es-AR" dirty="0" err="1" smtClean="0">
+                <a:solidFill>
+                  <a:srgbClr val="000000"/>
+                </a:solidFill>
+                <a:highlight>
+                  <a:srgbClr val="FFFFFF"/>
+                </a:highlight>
+                <a:latin typeface="Consolas" panose="020B0609020204030204" pitchFamily="49" charset="0"/>
+              </a:rPr>
+              <a:t>dato.Length</a:t>
+            </a:r>
+            <a:r>
+              <a:rPr lang="es-AR" dirty="0">
+                <a:solidFill>
+                  <a:srgbClr val="000000"/>
+                </a:solidFill>
+                <a:highlight>
+                  <a:srgbClr val="FFFFFF"/>
+                </a:highlight>
+                <a:latin typeface="Consolas" panose="020B0609020204030204" pitchFamily="49" charset="0"/>
+              </a:rPr>
+              <a:t>;</a:t>
+            </a:r>
+            <a:endParaRPr lang="es-AR" dirty="0" smtClean="0">
+              <a:solidFill>
+                <a:srgbClr val="000000"/>
+              </a:solidFill>
+              <a:highlight>
+                <a:srgbClr val="FFFFFF"/>
+              </a:highlight>
+              <a:latin typeface="Consolas" panose="020B0609020204030204" pitchFamily="49" charset="0"/>
+            </a:endParaRPr>
+          </a:p>
+          <a:p>
+            <a:pPr>
+              <a:defRPr/>
+            </a:pPr>
+            <a:r>
+              <a:rPr lang="es-AR" dirty="0" smtClean="0">
+                <a:solidFill>
+                  <a:srgbClr val="000000"/>
+                </a:solidFill>
+                <a:highlight>
+                  <a:srgbClr val="FFFFFF"/>
+                </a:highlight>
+                <a:latin typeface="Consolas" panose="020B0609020204030204" pitchFamily="49" charset="0"/>
+              </a:rPr>
+              <a:t>        </a:t>
+            </a:r>
+            <a:r>
+              <a:rPr lang="es-AR" dirty="0">
+                <a:solidFill>
+                  <a:srgbClr val="000000"/>
+                </a:solidFill>
+                <a:highlight>
+                  <a:srgbClr val="FFFFFF"/>
+                </a:highlight>
+                <a:latin typeface="Consolas" panose="020B0609020204030204" pitchFamily="49" charset="0"/>
+              </a:rPr>
+              <a:t>}</a:t>
+            </a:r>
+          </a:p>
+          <a:p>
+            <a:pPr>
+              <a:defRPr/>
+            </a:pPr>
+            <a:r>
+              <a:rPr lang="es-AR" dirty="0">
+                <a:solidFill>
+                  <a:srgbClr val="000000"/>
+                </a:solidFill>
+                <a:highlight>
+                  <a:srgbClr val="FFFFFF"/>
+                </a:highlight>
+                <a:latin typeface="Consolas" panose="020B0609020204030204" pitchFamily="49" charset="0"/>
+              </a:rPr>
+              <a:t>    }   </a:t>
+            </a:r>
+          </a:p>
+          <a:p>
+            <a:pPr>
+              <a:defRPr/>
+            </a:pPr>
+            <a:r>
+              <a:rPr lang="es-AR" dirty="0">
+                <a:solidFill>
+                  <a:srgbClr val="000000"/>
+                </a:solidFill>
+                <a:highlight>
+                  <a:srgbClr val="FFFFFF"/>
+                </a:highlight>
+                <a:latin typeface="Consolas" panose="020B0609020204030204" pitchFamily="49" charset="0"/>
+              </a:rPr>
+              <a:t>}</a:t>
+            </a:r>
+          </a:p>
+        </p:txBody>
+      </p:sp>
+    </p:spTree>
+    <p:extLst>
+      <p:ext uri="{BB962C8B-B14F-4D97-AF65-F5344CB8AC3E}">
+        <p14:creationId xmlns:p14="http://schemas.microsoft.com/office/powerpoint/2010/main" val="3048779025"/>
+      </p:ext>
+    </p:extLst>
+  </p:cSld>
+  <p:clrMapOvr>
+    <a:masterClrMapping/>
+  </p:clrMapOvr>
+  <p:timing>
+    <p:tnLst>
+      <p:par>
+        <p:cTn id="1" dur="indefinite" restart="never" nodeType="tmRoot"/>
+      </p:par>
+    </p:tnLst>
+  </p:timing>
+</p:sld>
+</file>
+
+<file path=ppt/slides/slide5.xml><?xml version="1.0" encoding="utf-8"?>
+<p:sld xmlns:a="http://schemas.openxmlformats.org/drawingml/2006/main" xmlns:r="http://schemas.openxmlformats.org/officeDocument/2006/relationships" xmlns:p="http://schemas.openxmlformats.org/presentationml/2006/main">
+  <p:cSld>
+    <p:spTree>
+      <p:nvGrpSpPr>
+        <p:cNvPr id="1" name=""/>
+        <p:cNvGrpSpPr/>
+        <p:nvPr/>
+      </p:nvGrpSpPr>
+      <p:grpSpPr>
+        <a:xfrm>
+          <a:off x="0" y="0"/>
+          <a:ext cx="0" cy="0"/>
+          <a:chOff x="0" y="0"/>
+          <a:chExt cx="0" cy="0"/>
+        </a:xfrm>
+      </p:grpSpPr>
+      <p:sp>
+        <p:nvSpPr>
+          <p:cNvPr id="2" name="Título 1"/>
+          <p:cNvSpPr>
+            <a:spLocks noGrp="1"/>
+          </p:cNvSpPr>
+          <p:nvPr>
+            <p:ph type="title"/>
+          </p:nvPr>
+        </p:nvSpPr>
+        <p:spPr/>
+        <p:txBody>
+          <a:bodyPr/>
+          <a:lstStyle/>
+          <a:p>
+            <a:r>
+              <a:rPr lang="es-AR" dirty="0" smtClean="0"/>
               <a:t>Implementación</a:t>
             </a:r>
             <a:endParaRPr lang="es-AR" dirty="0"/>
@@ -8761,6 +9384,13 @@
   <p:clrMapOvr>
     <a:masterClrMapping/>
   </p:clrMapOvr>
+  <p:timing>
+    <p:tnLst>
+      <p:par>
+        <p:cTn id="1" dur="indefinite" restart="never" nodeType="tmRoot"/>
+      </p:par>
+    </p:tnLst>
+  </p:timing>
 </p:sld>
 </file>
 
